--- a/Pell-Fermat equations.pptx
+++ b/Pell-Fermat equations.pptx
@@ -5,8 +5,10 @@
     <p:sldMasterId id="2147483648" r:id="rId1"/>
   </p:sldMasterIdLst>
   <p:sldIdLst>
-    <p:sldId id="256" r:id="rId2"/>
-    <p:sldId id="257" r:id="rId3"/>
+    <p:sldId id="259" r:id="rId2"/>
+    <p:sldId id="256" r:id="rId3"/>
+    <p:sldId id="258" r:id="rId4"/>
+    <p:sldId id="257" r:id="rId5"/>
   </p:sldIdLst>
   <p:sldSz cx="12192000" cy="6858000"/>
   <p:notesSz cx="6858000" cy="9144000"/>
@@ -105,6 +107,11 @@
       </a:defRPr>
     </a:lvl9pPr>
   </p:defaultTextStyle>
+  <p:extLst>
+    <p:ext uri="{EFAFB233-063F-42B5-8137-9DF3F51BA10A}">
+      <p15:sldGuideLst xmlns:p15="http://schemas.microsoft.com/office/powerpoint/2012/main"/>
+    </p:ext>
+  </p:extLst>
 </p:presentation>
 </file>
 
@@ -255,7 +262,7 @@
           <a:p>
             <a:fld id="{6EBB61A4-51BA-45EE-8742-F9C96B0E8C89}" type="datetimeFigureOut">
               <a:rPr lang="pt-BR" smtClean="0"/>
-              <a:t>28/05/2025</a:t>
+              <a:t>02/06/2025</a:t>
             </a:fld>
             <a:endParaRPr lang="pt-BR"/>
           </a:p>
@@ -453,7 +460,7 @@
           <a:p>
             <a:fld id="{6EBB61A4-51BA-45EE-8742-F9C96B0E8C89}" type="datetimeFigureOut">
               <a:rPr lang="pt-BR" smtClean="0"/>
-              <a:t>28/05/2025</a:t>
+              <a:t>02/06/2025</a:t>
             </a:fld>
             <a:endParaRPr lang="pt-BR"/>
           </a:p>
@@ -661,7 +668,7 @@
           <a:p>
             <a:fld id="{6EBB61A4-51BA-45EE-8742-F9C96B0E8C89}" type="datetimeFigureOut">
               <a:rPr lang="pt-BR" smtClean="0"/>
-              <a:t>28/05/2025</a:t>
+              <a:t>02/06/2025</a:t>
             </a:fld>
             <a:endParaRPr lang="pt-BR"/>
           </a:p>
@@ -859,7 +866,7 @@
           <a:p>
             <a:fld id="{6EBB61A4-51BA-45EE-8742-F9C96B0E8C89}" type="datetimeFigureOut">
               <a:rPr lang="pt-BR" smtClean="0"/>
-              <a:t>28/05/2025</a:t>
+              <a:t>02/06/2025</a:t>
             </a:fld>
             <a:endParaRPr lang="pt-BR"/>
           </a:p>
@@ -1134,7 +1141,7 @@
           <a:p>
             <a:fld id="{6EBB61A4-51BA-45EE-8742-F9C96B0E8C89}" type="datetimeFigureOut">
               <a:rPr lang="pt-BR" smtClean="0"/>
-              <a:t>28/05/2025</a:t>
+              <a:t>02/06/2025</a:t>
             </a:fld>
             <a:endParaRPr lang="pt-BR"/>
           </a:p>
@@ -1399,7 +1406,7 @@
           <a:p>
             <a:fld id="{6EBB61A4-51BA-45EE-8742-F9C96B0E8C89}" type="datetimeFigureOut">
               <a:rPr lang="pt-BR" smtClean="0"/>
-              <a:t>28/05/2025</a:t>
+              <a:t>02/06/2025</a:t>
             </a:fld>
             <a:endParaRPr lang="pt-BR"/>
           </a:p>
@@ -1811,7 +1818,7 @@
           <a:p>
             <a:fld id="{6EBB61A4-51BA-45EE-8742-F9C96B0E8C89}" type="datetimeFigureOut">
               <a:rPr lang="pt-BR" smtClean="0"/>
-              <a:t>28/05/2025</a:t>
+              <a:t>02/06/2025</a:t>
             </a:fld>
             <a:endParaRPr lang="pt-BR"/>
           </a:p>
@@ -1952,7 +1959,7 @@
           <a:p>
             <a:fld id="{6EBB61A4-51BA-45EE-8742-F9C96B0E8C89}" type="datetimeFigureOut">
               <a:rPr lang="pt-BR" smtClean="0"/>
-              <a:t>28/05/2025</a:t>
+              <a:t>02/06/2025</a:t>
             </a:fld>
             <a:endParaRPr lang="pt-BR"/>
           </a:p>
@@ -2065,7 +2072,7 @@
           <a:p>
             <a:fld id="{6EBB61A4-51BA-45EE-8742-F9C96B0E8C89}" type="datetimeFigureOut">
               <a:rPr lang="pt-BR" smtClean="0"/>
-              <a:t>28/05/2025</a:t>
+              <a:t>02/06/2025</a:t>
             </a:fld>
             <a:endParaRPr lang="pt-BR"/>
           </a:p>
@@ -2376,7 +2383,7 @@
           <a:p>
             <a:fld id="{6EBB61A4-51BA-45EE-8742-F9C96B0E8C89}" type="datetimeFigureOut">
               <a:rPr lang="pt-BR" smtClean="0"/>
-              <a:t>28/05/2025</a:t>
+              <a:t>02/06/2025</a:t>
             </a:fld>
             <a:endParaRPr lang="pt-BR"/>
           </a:p>
@@ -2664,7 +2671,7 @@
           <a:p>
             <a:fld id="{6EBB61A4-51BA-45EE-8742-F9C96B0E8C89}" type="datetimeFigureOut">
               <a:rPr lang="pt-BR" smtClean="0"/>
-              <a:t>28/05/2025</a:t>
+              <a:t>02/06/2025</a:t>
             </a:fld>
             <a:endParaRPr lang="pt-BR"/>
           </a:p>
@@ -2905,7 +2912,7 @@
           <a:p>
             <a:fld id="{6EBB61A4-51BA-45EE-8742-F9C96B0E8C89}" type="datetimeFigureOut">
               <a:rPr lang="pt-BR" smtClean="0"/>
-              <a:t>28/05/2025</a:t>
+              <a:t>02/06/2025</a:t>
             </a:fld>
             <a:endParaRPr lang="pt-BR"/>
           </a:p>
@@ -3372,6 +3379,72 @@
       </p:grpSpPr>
       <p:pic>
         <p:nvPicPr>
+          <p:cNvPr id="3" name="Imagem 2" descr="Tabela&#10;&#10;O conteúdo gerado por IA pode estar incorreto.">
+            <a:extLst>
+              <a:ext uri="{FF2B5EF4-FFF2-40B4-BE49-F238E27FC236}">
+                <a16:creationId xmlns:a16="http://schemas.microsoft.com/office/drawing/2014/main" id="{72D81A0F-E9D3-8374-1E80-973CA5D8E209}"/>
+              </a:ext>
+            </a:extLst>
+          </p:cNvPr>
+          <p:cNvPicPr>
+            <a:picLocks noChangeAspect="1"/>
+          </p:cNvPicPr>
+          <p:nvPr/>
+        </p:nvPicPr>
+        <p:blipFill>
+          <a:blip r:embed="rId2">
+            <a:extLst>
+              <a:ext uri="{28A0092B-C50C-407E-A947-70E740481C1C}">
+                <a14:useLocalDpi xmlns:a14="http://schemas.microsoft.com/office/drawing/2010/main" val="0"/>
+              </a:ext>
+            </a:extLst>
+          </a:blip>
+          <a:stretch>
+            <a:fillRect/>
+          </a:stretch>
+        </p:blipFill>
+        <p:spPr>
+          <a:xfrm>
+            <a:off x="1994915" y="128127"/>
+            <a:ext cx="8202170" cy="6601746"/>
+          </a:xfrm>
+          <a:prstGeom prst="rect">
+            <a:avLst/>
+          </a:prstGeom>
+        </p:spPr>
+      </p:pic>
+    </p:spTree>
+    <p:extLst>
+      <p:ext uri="{BB962C8B-B14F-4D97-AF65-F5344CB8AC3E}">
+        <p14:creationId xmlns:p14="http://schemas.microsoft.com/office/powerpoint/2010/main" val="659498588"/>
+      </p:ext>
+    </p:extLst>
+  </p:cSld>
+  <p:clrMapOvr>
+    <a:masterClrMapping/>
+  </p:clrMapOvr>
+</p:sld>
+</file>
+
+<file path=ppt/slides/slide2.xml><?xml version="1.0" encoding="utf-8"?>
+<p:sld xmlns:a="http://schemas.openxmlformats.org/drawingml/2006/main" xmlns:r="http://schemas.openxmlformats.org/officeDocument/2006/relationships" xmlns:p="http://schemas.openxmlformats.org/presentationml/2006/main">
+  <p:cSld>
+    <p:spTree>
+      <p:nvGrpSpPr>
+        <p:cNvPr id="1" name=""/>
+        <p:cNvGrpSpPr/>
+        <p:nvPr/>
+      </p:nvGrpSpPr>
+      <p:grpSpPr>
+        <a:xfrm>
+          <a:off x="0" y="0"/>
+          <a:ext cx="0" cy="0"/>
+          <a:chOff x="0" y="0"/>
+          <a:chExt cx="0" cy="0"/>
+        </a:xfrm>
+      </p:grpSpPr>
+      <p:pic>
+        <p:nvPicPr>
           <p:cNvPr id="5" name="Imagem 4" descr="Interface gráfica do usuário, Texto, Aplicativo, Email&#10;&#10;O conteúdo gerado por IA pode estar incorreto.">
             <a:extLst>
               <a:ext uri="{FF2B5EF4-FFF2-40B4-BE49-F238E27FC236}">
@@ -3419,7 +3492,109 @@
 </p:sld>
 </file>
 
-<file path=ppt/slides/slide2.xml><?xml version="1.0" encoding="utf-8"?>
+<file path=ppt/slides/slide3.xml><?xml version="1.0" encoding="utf-8"?>
+<p:sld xmlns:a="http://schemas.openxmlformats.org/drawingml/2006/main" xmlns:r="http://schemas.openxmlformats.org/officeDocument/2006/relationships" xmlns:p="http://schemas.openxmlformats.org/presentationml/2006/main">
+  <p:cSld>
+    <p:spTree>
+      <p:nvGrpSpPr>
+        <p:cNvPr id="1" name=""/>
+        <p:cNvGrpSpPr/>
+        <p:nvPr/>
+      </p:nvGrpSpPr>
+      <p:grpSpPr>
+        <a:xfrm>
+          <a:off x="0" y="0"/>
+          <a:ext cx="0" cy="0"/>
+          <a:chOff x="0" y="0"/>
+          <a:chExt cx="0" cy="0"/>
+        </a:xfrm>
+      </p:grpSpPr>
+      <p:pic>
+        <p:nvPicPr>
+          <p:cNvPr id="3" name="Imagem 2" descr="Interface gráfica do usuário, Texto, Aplicativo, Email&#10;&#10;O conteúdo gerado por IA pode estar incorreto.">
+            <a:extLst>
+              <a:ext uri="{FF2B5EF4-FFF2-40B4-BE49-F238E27FC236}">
+                <a16:creationId xmlns:a16="http://schemas.microsoft.com/office/drawing/2014/main" id="{FF3CE041-9935-8518-3698-3567F30810E4}"/>
+              </a:ext>
+            </a:extLst>
+          </p:cNvPr>
+          <p:cNvPicPr>
+            <a:picLocks noChangeAspect="1"/>
+          </p:cNvPicPr>
+          <p:nvPr/>
+        </p:nvPicPr>
+        <p:blipFill>
+          <a:blip r:embed="rId2">
+            <a:extLst>
+              <a:ext uri="{28A0092B-C50C-407E-A947-70E740481C1C}">
+                <a14:useLocalDpi xmlns:a14="http://schemas.microsoft.com/office/drawing/2010/main" val="0"/>
+              </a:ext>
+            </a:extLst>
+          </a:blip>
+          <a:stretch>
+            <a:fillRect/>
+          </a:stretch>
+        </p:blipFill>
+        <p:spPr>
+          <a:xfrm>
+            <a:off x="1680546" y="62388"/>
+            <a:ext cx="8830907" cy="4887007"/>
+          </a:xfrm>
+          <a:prstGeom prst="rect">
+            <a:avLst/>
+          </a:prstGeom>
+        </p:spPr>
+      </p:pic>
+      <p:pic>
+        <p:nvPicPr>
+          <p:cNvPr id="5" name="Imagem 4" descr="Uma imagem contendo Texto&#10;&#10;O conteúdo gerado por IA pode estar incorreto.">
+            <a:extLst>
+              <a:ext uri="{FF2B5EF4-FFF2-40B4-BE49-F238E27FC236}">
+                <a16:creationId xmlns:a16="http://schemas.microsoft.com/office/drawing/2014/main" id="{1BE2231C-C197-FC39-D6AF-C04BD7347D34}"/>
+              </a:ext>
+            </a:extLst>
+          </p:cNvPr>
+          <p:cNvPicPr>
+            <a:picLocks noChangeAspect="1"/>
+          </p:cNvPicPr>
+          <p:nvPr/>
+        </p:nvPicPr>
+        <p:blipFill>
+          <a:blip r:embed="rId3">
+            <a:extLst>
+              <a:ext uri="{28A0092B-C50C-407E-A947-70E740481C1C}">
+                <a14:useLocalDpi xmlns:a14="http://schemas.microsoft.com/office/drawing/2010/main" val="0"/>
+              </a:ext>
+            </a:extLst>
+          </a:blip>
+          <a:stretch>
+            <a:fillRect/>
+          </a:stretch>
+        </p:blipFill>
+        <p:spPr>
+          <a:xfrm>
+            <a:off x="1680545" y="5350249"/>
+            <a:ext cx="10499396" cy="1368000"/>
+          </a:xfrm>
+          <a:prstGeom prst="rect">
+            <a:avLst/>
+          </a:prstGeom>
+        </p:spPr>
+      </p:pic>
+    </p:spTree>
+    <p:extLst>
+      <p:ext uri="{BB962C8B-B14F-4D97-AF65-F5344CB8AC3E}">
+        <p14:creationId xmlns:p14="http://schemas.microsoft.com/office/powerpoint/2010/main" val="718307202"/>
+      </p:ext>
+    </p:extLst>
+  </p:cSld>
+  <p:clrMapOvr>
+    <a:masterClrMapping/>
+  </p:clrMapOvr>
+</p:sld>
+</file>
+
+<file path=ppt/slides/slide4.xml><?xml version="1.0" encoding="utf-8"?>
 <p:sld xmlns:a="http://schemas.openxmlformats.org/drawingml/2006/main" xmlns:r="http://schemas.openxmlformats.org/officeDocument/2006/relationships" xmlns:p="http://schemas.openxmlformats.org/presentationml/2006/main">
   <p:cSld>
     <p:spTree>
